--- a/dr/защита.pptx
+++ b/dr/защита.pptx
@@ -218,7 +218,7 @@
           <a:p>
             <a:fld id="{2E083C69-BB92-472A-8E54-F93791242D49}" type="datetimeFigureOut">
               <a:rPr lang="bg-BG" smtClean="0"/>
-              <a:t>15.5.2025 г.</a:t>
+              <a:t>21.5.2025 г.</a:t>
             </a:fld>
             <a:endParaRPr lang="bg-BG"/>
           </a:p>
@@ -650,19 +650,7 @@
                 <a:ea typeface="+mn-ea"/>
                 <a:cs typeface="+mn-cs"/>
               </a:rPr>
-              <a:t>Проектът може да бъде надграден с автентикация, по-сложни модели, известия, статистики и други .функционалности. Архитектурата позволява лесно добавяне на нови възможности и интеграция с външни системи. Проектът служи като учебен модел за ученици и начинаещи програмисти, показвайки добрите практики при изграждане на REST API и интеграционни решения. </a:t>
-            </a:r>
-            <a:r>
-              <a:rPr lang="bg-BG" sz="1200" kern="1200" smtClean="0">
-                <a:solidFill>
-                  <a:schemeClr val="tx1"/>
-                </a:solidFill>
-                <a:effectLst/>
-                <a:latin typeface="+mn-lt"/>
-                <a:ea typeface="+mn-ea"/>
-                <a:cs typeface="+mn-cs"/>
-              </a:rPr>
-              <a:t>Кодът е структуриран и подходящ за бъдещо разширяване и обучение.</a:t>
+              <a:t>Проектът може да бъде надграден с автентикация, по-сложни модели, известия, статистики и други .функционалности. Архитектурата позволява лесно добавяне на нови възможности и интеграция с външни системи. Проектът служи като учебен модел за ученици и начинаещи програмисти, показвайки добрите практики при изграждане на REST API и интеграционни решения. Кодът е структуриран и подходящ за бъдещо разширяване и обучение.</a:t>
             </a:r>
             <a:endParaRPr lang="bg-BG" dirty="0"/>
           </a:p>
@@ -695,6 +683,90 @@
     <p:extLst>
       <p:ext uri="{BB962C8B-B14F-4D97-AF65-F5344CB8AC3E}">
         <p14:creationId xmlns:p14="http://schemas.microsoft.com/office/powerpoint/2010/main" val="1447231297"/>
+      </p:ext>
+    </p:extLst>
+  </p:cSld>
+  <p:clrMapOvr>
+    <a:masterClrMapping/>
+  </p:clrMapOvr>
+</p:notes>
+</file>
+
+<file path=ppt/notesSlides/notesSlide11.xml><?xml version="1.0" encoding="utf-8"?>
+<p:notes xmlns:a="http://schemas.openxmlformats.org/drawingml/2006/main" xmlns:r="http://schemas.openxmlformats.org/officeDocument/2006/relationships" xmlns:p="http://schemas.openxmlformats.org/presentationml/2006/main">
+  <p:cSld>
+    <p:spTree>
+      <p:nvGrpSpPr>
+        <p:cNvPr id="1" name=""/>
+        <p:cNvGrpSpPr/>
+        <p:nvPr/>
+      </p:nvGrpSpPr>
+      <p:grpSpPr>
+        <a:xfrm>
+          <a:off x="0" y="0"/>
+          <a:ext cx="0" cy="0"/>
+          <a:chOff x="0" y="0"/>
+          <a:chExt cx="0" cy="0"/>
+        </a:xfrm>
+      </p:grpSpPr>
+      <p:sp>
+        <p:nvSpPr>
+          <p:cNvPr id="2" name="Slide Image Placeholder 1"/>
+          <p:cNvSpPr>
+            <a:spLocks noGrp="1" noRot="1" noChangeAspect="1"/>
+          </p:cNvSpPr>
+          <p:nvPr>
+            <p:ph type="sldImg"/>
+          </p:nvPr>
+        </p:nvSpPr>
+        <p:spPr/>
+      </p:sp>
+      <p:sp>
+        <p:nvSpPr>
+          <p:cNvPr id="3" name="Notes Placeholder 2"/>
+          <p:cNvSpPr>
+            <a:spLocks noGrp="1"/>
+          </p:cNvSpPr>
+          <p:nvPr>
+            <p:ph type="body" idx="1"/>
+          </p:nvPr>
+        </p:nvSpPr>
+        <p:spPr/>
+        <p:txBody>
+          <a:bodyPr/>
+          <a:lstStyle/>
+          <a:p>
+            <a:endParaRPr lang="bg-BG" dirty="0"/>
+          </a:p>
+        </p:txBody>
+      </p:sp>
+      <p:sp>
+        <p:nvSpPr>
+          <p:cNvPr id="4" name="Slide Number Placeholder 3"/>
+          <p:cNvSpPr>
+            <a:spLocks noGrp="1"/>
+          </p:cNvSpPr>
+          <p:nvPr>
+            <p:ph type="sldNum" sz="quarter" idx="10"/>
+          </p:nvPr>
+        </p:nvSpPr>
+        <p:spPr/>
+        <p:txBody>
+          <a:bodyPr/>
+          <a:lstStyle/>
+          <a:p>
+            <a:fld id="{FEE69406-5025-44CD-A98A-9A7E7326586C}" type="slidenum">
+              <a:rPr lang="bg-BG" smtClean="0"/>
+              <a:t>11</a:t>
+            </a:fld>
+            <a:endParaRPr lang="bg-BG"/>
+          </a:p>
+        </p:txBody>
+      </p:sp>
+    </p:spTree>
+    <p:extLst>
+      <p:ext uri="{BB962C8B-B14F-4D97-AF65-F5344CB8AC3E}">
+        <p14:creationId xmlns:p14="http://schemas.microsoft.com/office/powerpoint/2010/main" val="2591902800"/>
       </p:ext>
     </p:extLst>
   </p:cSld>
@@ -1224,7 +1296,6 @@
               <a:rPr lang="ru-RU" dirty="0" smtClean="0"/>
               <a:t>.</a:t>
             </a:r>
-            <a:endParaRPr lang="ru-RU" dirty="0" smtClean="0"/>
           </a:p>
           <a:p>
             <a:endParaRPr lang="bg-BG" dirty="0"/>
@@ -1452,7 +1523,6 @@
               <a:rPr lang="ru-RU" dirty="0" smtClean="0"/>
               <a:t>.</a:t>
             </a:r>
-            <a:endParaRPr lang="ru-RU" dirty="0" smtClean="0"/>
           </a:p>
           <a:p>
             <a:endParaRPr lang="bg-BG" dirty="0"/>
@@ -1741,7 +1811,7 @@
             <a:fld id="{1D8BD707-D9CF-40AE-B4C6-C98DA3205C09}" type="datetimeFigureOut">
               <a:rPr lang="en-US" smtClean="0"/>
               <a:pPr/>
-              <a:t>5/15/2025</a:t>
+              <a:t>5/21/2025</a:t>
             </a:fld>
             <a:endParaRPr lang="en-US"/>
           </a:p>
@@ -2376,7 +2446,7 @@
             <a:fld id="{1D8BD707-D9CF-40AE-B4C6-C98DA3205C09}" type="datetimeFigureOut">
               <a:rPr lang="en-US" smtClean="0"/>
               <a:pPr/>
-              <a:t>5/15/2025</a:t>
+              <a:t>5/21/2025</a:t>
             </a:fld>
             <a:endParaRPr lang="en-US"/>
           </a:p>
@@ -2655,7 +2725,7 @@
             <a:fld id="{1D8BD707-D9CF-40AE-B4C6-C98DA3205C09}" type="datetimeFigureOut">
               <a:rPr lang="en-US" smtClean="0"/>
               <a:pPr/>
-              <a:t>5/15/2025</a:t>
+              <a:t>5/21/2025</a:t>
             </a:fld>
             <a:endParaRPr lang="en-US"/>
           </a:p>
@@ -2822,7 +2892,7 @@
             <a:fld id="{1D8BD707-D9CF-40AE-B4C6-C98DA3205C09}" type="datetimeFigureOut">
               <a:rPr lang="en-US" smtClean="0"/>
               <a:pPr/>
-              <a:t>5/15/2025</a:t>
+              <a:t>5/21/2025</a:t>
             </a:fld>
             <a:endParaRPr lang="en-US"/>
           </a:p>
@@ -3005,7 +3075,7 @@
             <a:fld id="{1D8BD707-D9CF-40AE-B4C6-C98DA3205C09}" type="datetimeFigureOut">
               <a:rPr lang="en-US" smtClean="0"/>
               <a:pPr/>
-              <a:t>5/15/2025</a:t>
+              <a:t>5/21/2025</a:t>
             </a:fld>
             <a:endParaRPr lang="en-US"/>
           </a:p>
@@ -3652,7 +3722,7 @@
             <a:fld id="{1D8BD707-D9CF-40AE-B4C6-C98DA3205C09}" type="datetimeFigureOut">
               <a:rPr lang="en-US" smtClean="0"/>
               <a:pPr/>
-              <a:t>5/15/2025</a:t>
+              <a:t>5/21/2025</a:t>
             </a:fld>
             <a:endParaRPr lang="en-US"/>
           </a:p>
@@ -4080,7 +4150,7 @@
             <a:fld id="{1D8BD707-D9CF-40AE-B4C6-C98DA3205C09}" type="datetimeFigureOut">
               <a:rPr lang="en-US" smtClean="0"/>
               <a:pPr/>
-              <a:t>5/15/2025</a:t>
+              <a:t>5/21/2025</a:t>
             </a:fld>
             <a:endParaRPr lang="en-US"/>
           </a:p>
@@ -4195,7 +4265,7 @@
             <a:fld id="{1D8BD707-D9CF-40AE-B4C6-C98DA3205C09}" type="datetimeFigureOut">
               <a:rPr lang="en-US" smtClean="0"/>
               <a:pPr/>
-              <a:t>5/15/2025</a:t>
+              <a:t>5/21/2025</a:t>
             </a:fld>
             <a:endParaRPr lang="en-US"/>
           </a:p>
@@ -4378,7 +4448,7 @@
             <a:fld id="{1D8BD707-D9CF-40AE-B4C6-C98DA3205C09}" type="datetimeFigureOut">
               <a:rPr lang="en-US" smtClean="0"/>
               <a:pPr/>
-              <a:t>5/15/2025</a:t>
+              <a:t>5/21/2025</a:t>
             </a:fld>
             <a:endParaRPr lang="en-US"/>
           </a:p>
@@ -4646,7 +4716,7 @@
             <a:fld id="{1D8BD707-D9CF-40AE-B4C6-C98DA3205C09}" type="datetimeFigureOut">
               <a:rPr lang="en-US" smtClean="0"/>
               <a:pPr/>
-              <a:t>5/15/2025</a:t>
+              <a:t>5/21/2025</a:t>
             </a:fld>
             <a:endParaRPr lang="en-US"/>
           </a:p>
@@ -5118,7 +5188,7 @@
             <a:fld id="{1D8BD707-D9CF-40AE-B4C6-C98DA3205C09}" type="datetimeFigureOut">
               <a:rPr lang="en-US" smtClean="0"/>
               <a:pPr/>
-              <a:t>5/15/2025</a:t>
+              <a:t>5/21/2025</a:t>
             </a:fld>
             <a:endParaRPr lang="en-US"/>
           </a:p>
@@ -5680,7 +5750,7 @@
             <a:fld id="{1D8BD707-D9CF-40AE-B4C6-C98DA3205C09}" type="datetimeFigureOut">
               <a:rPr lang="en-US" smtClean="0"/>
               <a:pPr/>
-              <a:t>5/15/2025</a:t>
+              <a:t>5/21/2025</a:t>
             </a:fld>
             <a:endParaRPr lang="en-US"/>
           </a:p>
@@ -6331,7 +6401,6 @@
               <a:rPr lang="bg-BG" sz="1400" dirty="0"/>
               <a:t>Дипломант: Димитър Дурчов</a:t>
             </a:r>
-            <a:endParaRPr lang="bg-BG" sz="1400" dirty="0"/>
           </a:p>
         </p:txBody>
       </p:sp>
@@ -6446,7 +6515,15 @@
             <p:ph type="title"/>
           </p:nvPr>
         </p:nvSpPr>
-        <p:spPr/>
+        <p:spPr>
+          <a:effectLst>
+            <a:outerShdw blurRad="50800" dist="38100" dir="2700000" algn="tl" rotWithShape="0">
+              <a:prstClr val="black">
+                <a:alpha val="40000"/>
+              </a:prstClr>
+            </a:outerShdw>
+          </a:effectLst>
+        </p:spPr>
         <p:txBody>
           <a:bodyPr/>
           <a:lstStyle/>
@@ -6572,7 +6649,15 @@
             <p:ph type="title"/>
           </p:nvPr>
         </p:nvSpPr>
-        <p:spPr/>
+        <p:spPr>
+          <a:effectLst>
+            <a:outerShdw blurRad="50800" dist="38100" dir="2700000" algn="tl" rotWithShape="0">
+              <a:prstClr val="black">
+                <a:alpha val="40000"/>
+              </a:prstClr>
+            </a:outerShdw>
+          </a:effectLst>
+        </p:spPr>
         <p:txBody>
           <a:bodyPr/>
           <a:lstStyle/>
@@ -6600,7 +6685,7 @@
           <a:bodyPr/>
           <a:lstStyle/>
           <a:p>
-            <a:endParaRPr lang="bg-BG"/>
+            <a:endParaRPr lang="bg-BG" dirty="0"/>
           </a:p>
         </p:txBody>
       </p:sp>
@@ -6651,7 +6736,15 @@
             <p:ph type="title"/>
           </p:nvPr>
         </p:nvSpPr>
-        <p:spPr/>
+        <p:spPr>
+          <a:effectLst>
+            <a:outerShdw blurRad="50800" dist="38100" dir="2700000" algn="tl" rotWithShape="0">
+              <a:prstClr val="black">
+                <a:alpha val="40000"/>
+              </a:prstClr>
+            </a:outerShdw>
+          </a:effectLst>
+        </p:spPr>
         <p:txBody>
           <a:bodyPr/>
           <a:lstStyle/>
@@ -6766,7 +6859,15 @@
             <p:ph type="title"/>
           </p:nvPr>
         </p:nvSpPr>
-        <p:spPr/>
+        <p:spPr>
+          <a:effectLst>
+            <a:outerShdw blurRad="50800" dist="38100" dir="2700000" algn="tl" rotWithShape="0">
+              <a:prstClr val="black">
+                <a:alpha val="40000"/>
+              </a:prstClr>
+            </a:outerShdw>
+          </a:effectLst>
+        </p:spPr>
         <p:txBody>
           <a:bodyPr/>
           <a:lstStyle/>
@@ -6874,7 +6975,15 @@
             <p:ph type="title"/>
           </p:nvPr>
         </p:nvSpPr>
-        <p:spPr/>
+        <p:spPr>
+          <a:effectLst>
+            <a:outerShdw blurRad="50800" dist="38100" dir="2700000" algn="tl" rotWithShape="0">
+              <a:prstClr val="black">
+                <a:alpha val="40000"/>
+              </a:prstClr>
+            </a:outerShdw>
+          </a:effectLst>
+        </p:spPr>
         <p:txBody>
           <a:bodyPr>
             <a:normAutofit/>
@@ -6998,7 +7107,15 @@
             <p:ph type="title"/>
           </p:nvPr>
         </p:nvSpPr>
-        <p:spPr/>
+        <p:spPr>
+          <a:effectLst>
+            <a:outerShdw blurRad="50800" dist="38100" dir="2700000" algn="tl" rotWithShape="0">
+              <a:prstClr val="black">
+                <a:alpha val="40000"/>
+              </a:prstClr>
+            </a:outerShdw>
+          </a:effectLst>
+        </p:spPr>
         <p:txBody>
           <a:bodyPr/>
           <a:lstStyle/>
@@ -7120,7 +7237,15 @@
             <p:ph type="title"/>
           </p:nvPr>
         </p:nvSpPr>
-        <p:spPr/>
+        <p:spPr>
+          <a:effectLst>
+            <a:outerShdw blurRad="50800" dist="38100" dir="2700000" algn="tl" rotWithShape="0">
+              <a:prstClr val="black">
+                <a:alpha val="40000"/>
+              </a:prstClr>
+            </a:outerShdw>
+          </a:effectLst>
+        </p:spPr>
         <p:txBody>
           <a:bodyPr>
             <a:normAutofit/>
@@ -7159,8 +7284,8 @@
         </p:blipFill>
         <p:spPr>
           <a:xfrm>
-            <a:off x="2852285" y="2510433"/>
-            <a:ext cx="6487430" cy="2857899"/>
+            <a:off x="1007985" y="1981200"/>
+            <a:ext cx="10134600" cy="4464582"/>
           </a:xfrm>
         </p:spPr>
       </p:pic>
@@ -7211,7 +7336,15 @@
             <p:ph type="title"/>
           </p:nvPr>
         </p:nvSpPr>
-        <p:spPr/>
+        <p:spPr>
+          <a:effectLst>
+            <a:outerShdw blurRad="50800" dist="38100" dir="2700000" algn="tl" rotWithShape="0">
+              <a:prstClr val="black">
+                <a:alpha val="40000"/>
+              </a:prstClr>
+            </a:outerShdw>
+          </a:effectLst>
+        </p:spPr>
         <p:txBody>
           <a:bodyPr/>
           <a:lstStyle/>
@@ -7226,32 +7359,193 @@
       </p:sp>
       <p:pic>
         <p:nvPicPr>
-          <p:cNvPr id="4" name="Content Placeholder 3"/>
+          <p:cNvPr id="6" name="Picture 5"/>
           <p:cNvPicPr>
-            <a:picLocks noGrp="1" noChangeAspect="1"/>
+            <a:picLocks noChangeAspect="1"/>
           </p:cNvPicPr>
-          <p:nvPr>
-            <p:ph idx="1"/>
-          </p:nvPr>
+          <p:nvPr/>
         </p:nvPicPr>
         <p:blipFill>
-          <a:blip r:embed="rId3">
-            <a:extLst>
-              <a:ext uri="{28A0092B-C50C-407E-A947-70E740481C1C}">
-                <a14:useLocalDpi xmlns:a14="http://schemas.microsoft.com/office/drawing/2010/main" val="0"/>
-              </a:ext>
-            </a:extLst>
-          </a:blip>
+          <a:blip r:embed="rId3"/>
           <a:stretch>
             <a:fillRect/>
           </a:stretch>
         </p:blipFill>
         <p:spPr>
           <a:xfrm>
-            <a:off x="1981200" y="2838955"/>
-            <a:ext cx="8229600" cy="2200855"/>
-          </a:xfrm>
-        </p:spPr>
+            <a:off x="453654" y="2108885"/>
+            <a:ext cx="6847254" cy="4011827"/>
+          </a:xfrm>
+          <a:prstGeom prst="snip2DiagRect">
+            <a:avLst/>
+          </a:prstGeom>
+          <a:solidFill>
+            <a:srgbClr val="FFFFFF">
+              <a:shade val="85000"/>
+            </a:srgbClr>
+          </a:solidFill>
+          <a:ln w="88900" cap="sq">
+            <a:solidFill>
+              <a:srgbClr val="FFFFFF"/>
+            </a:solidFill>
+            <a:miter lim="800000"/>
+          </a:ln>
+          <a:effectLst>
+            <a:outerShdw blurRad="88900" algn="tl" rotWithShape="0">
+              <a:srgbClr val="000000">
+                <a:alpha val="45000"/>
+              </a:srgbClr>
+            </a:outerShdw>
+          </a:effectLst>
+          <a:scene3d>
+            <a:camera prst="orthographicFront"/>
+            <a:lightRig rig="twoPt" dir="t">
+              <a:rot lat="0" lon="0" rev="7200000"/>
+            </a:lightRig>
+          </a:scene3d>
+          <a:sp3d>
+            <a:bevelT w="25400" h="19050"/>
+            <a:contourClr>
+              <a:srgbClr val="FFFFFF"/>
+            </a:contourClr>
+          </a:sp3d>
+        </p:spPr>
+      </p:pic>
+      <p:pic>
+        <p:nvPicPr>
+          <p:cNvPr id="3" name="Picture 2"/>
+          <p:cNvPicPr>
+            <a:picLocks noChangeAspect="1"/>
+          </p:cNvPicPr>
+          <p:nvPr/>
+        </p:nvPicPr>
+        <p:blipFill>
+          <a:blip r:embed="rId4"/>
+          <a:stretch>
+            <a:fillRect/>
+          </a:stretch>
+        </p:blipFill>
+        <p:spPr>
+          <a:xfrm>
+            <a:off x="6791878" y="2532165"/>
+            <a:ext cx="4942923" cy="1793669"/>
+          </a:xfrm>
+          <a:prstGeom prst="snip2DiagRect">
+            <a:avLst/>
+          </a:prstGeom>
+          <a:solidFill>
+            <a:srgbClr val="FFFFFF">
+              <a:shade val="85000"/>
+            </a:srgbClr>
+          </a:solidFill>
+          <a:ln w="88900" cap="sq">
+            <a:solidFill>
+              <a:srgbClr val="FFFFFF"/>
+            </a:solidFill>
+            <a:miter lim="800000"/>
+          </a:ln>
+          <a:effectLst>
+            <a:outerShdw blurRad="88900" algn="tl" rotWithShape="0">
+              <a:srgbClr val="000000">
+                <a:alpha val="45000"/>
+              </a:srgbClr>
+            </a:outerShdw>
+          </a:effectLst>
+          <a:scene3d>
+            <a:camera prst="orthographicFront"/>
+            <a:lightRig rig="twoPt" dir="t">
+              <a:rot lat="0" lon="0" rev="7200000"/>
+            </a:lightRig>
+          </a:scene3d>
+          <a:sp3d>
+            <a:bevelT w="25400" h="19050"/>
+            <a:contourClr>
+              <a:srgbClr val="FFFFFF"/>
+            </a:contourClr>
+          </a:sp3d>
+        </p:spPr>
+        <p:style>
+          <a:lnRef idx="1">
+            <a:schemeClr val="accent6"/>
+          </a:lnRef>
+          <a:fillRef idx="2">
+            <a:schemeClr val="accent6"/>
+          </a:fillRef>
+          <a:effectRef idx="1">
+            <a:schemeClr val="accent6"/>
+          </a:effectRef>
+          <a:fontRef idx="minor">
+            <a:schemeClr val="dk1"/>
+          </a:fontRef>
+        </p:style>
+      </p:pic>
+      <p:pic>
+        <p:nvPicPr>
+          <p:cNvPr id="5" name="Picture 4"/>
+          <p:cNvPicPr>
+            <a:picLocks noChangeAspect="1"/>
+          </p:cNvPicPr>
+          <p:nvPr/>
+        </p:nvPicPr>
+        <p:blipFill>
+          <a:blip r:embed="rId5"/>
+          <a:stretch>
+            <a:fillRect/>
+          </a:stretch>
+        </p:blipFill>
+        <p:spPr>
+          <a:xfrm>
+            <a:off x="5181600" y="4572000"/>
+            <a:ext cx="6553201" cy="1021736"/>
+          </a:xfrm>
+          <a:prstGeom prst="snip2DiagRect">
+            <a:avLst/>
+          </a:prstGeom>
+          <a:solidFill>
+            <a:srgbClr val="FFFFFF">
+              <a:shade val="85000"/>
+            </a:srgbClr>
+          </a:solidFill>
+          <a:ln w="88900" cap="sq">
+            <a:solidFill>
+              <a:srgbClr val="FFFFFF"/>
+            </a:solidFill>
+            <a:miter lim="800000"/>
+          </a:ln>
+          <a:effectLst>
+            <a:outerShdw blurRad="88900" algn="tl" rotWithShape="0">
+              <a:srgbClr val="000000">
+                <a:alpha val="45000"/>
+              </a:srgbClr>
+            </a:outerShdw>
+          </a:effectLst>
+          <a:scene3d>
+            <a:camera prst="orthographicFront"/>
+            <a:lightRig rig="twoPt" dir="t">
+              <a:rot lat="0" lon="0" rev="7200000"/>
+            </a:lightRig>
+          </a:scene3d>
+          <a:sp3d>
+            <a:bevelT w="25400" h="19050"/>
+            <a:contourClr>
+              <a:srgbClr val="FFFFFF"/>
+            </a:contourClr>
+          </a:sp3d>
+        </p:spPr>
+        <p:style>
+          <a:lnRef idx="2">
+            <a:schemeClr val="accent3"/>
+          </a:lnRef>
+          <a:fillRef idx="1">
+            <a:schemeClr val="lt1"/>
+          </a:fillRef>
+          <a:effectRef idx="0">
+            <a:schemeClr val="accent3"/>
+          </a:effectRef>
+          <a:fontRef idx="minor">
+            <a:schemeClr val="dk1"/>
+          </a:fontRef>
+        </p:style>
       </p:pic>
     </p:spTree>
     <p:extLst>
@@ -7300,7 +7594,15 @@
             <p:ph type="title"/>
           </p:nvPr>
         </p:nvSpPr>
-        <p:spPr/>
+        <p:spPr>
+          <a:effectLst>
+            <a:outerShdw blurRad="50800" dist="38100" dir="2700000" algn="tl" rotWithShape="0">
+              <a:prstClr val="black">
+                <a:alpha val="40000"/>
+              </a:prstClr>
+            </a:outerShdw>
+          </a:effectLst>
+        </p:spPr>
         <p:txBody>
           <a:bodyPr/>
           <a:lstStyle/>
@@ -7338,17 +7640,42 @@
         </p:blipFill>
         <p:spPr bwMode="auto">
           <a:xfrm>
-            <a:off x="1981200" y="2870560"/>
+            <a:off x="539339" y="1981200"/>
             <a:ext cx="8229600" cy="2137642"/>
           </a:xfrm>
-          <a:prstGeom prst="rect">
+          <a:prstGeom prst="snip2DiagRect">
             <a:avLst/>
           </a:prstGeom>
-          <a:noFill/>
-          <a:ln>
-            <a:noFill/>
+          <a:solidFill>
+            <a:srgbClr val="FFFFFF">
+              <a:shade val="85000"/>
+            </a:srgbClr>
+          </a:solidFill>
+          <a:ln w="88900" cap="sq">
+            <a:solidFill>
+              <a:srgbClr val="FFFFFF"/>
+            </a:solidFill>
+            <a:miter lim="800000"/>
           </a:ln>
-          <a:effectLst/>
+          <a:effectLst>
+            <a:outerShdw blurRad="88900" algn="tl" rotWithShape="0">
+              <a:srgbClr val="000000">
+                <a:alpha val="45000"/>
+              </a:srgbClr>
+            </a:outerShdw>
+          </a:effectLst>
+          <a:scene3d>
+            <a:camera prst="orthographicFront"/>
+            <a:lightRig rig="twoPt" dir="t">
+              <a:rot lat="0" lon="0" rev="7200000"/>
+            </a:lightRig>
+          </a:scene3d>
+          <a:sp3d>
+            <a:bevelT w="25400" h="19050"/>
+            <a:contourClr>
+              <a:srgbClr val="FFFFFF"/>
+            </a:contourClr>
+          </a:sp3d>
           <a:extLst>
             <a:ext uri="{909E8E84-426E-40DD-AFC4-6F175D3DCCD1}">
               <a14:hiddenFill xmlns:a14="http://schemas.microsoft.com/office/drawing/2010/main">
@@ -7367,16 +7694,61 @@
                 <a:tailEnd/>
               </a14:hiddenLine>
             </a:ext>
-            <a:ext uri="{AF507438-7753-43E0-B8FC-AC1667EBCBE1}">
-              <a14:hiddenEffects xmlns:a14="http://schemas.microsoft.com/office/drawing/2010/main">
-                <a:effectLst>
-                  <a:outerShdw dist="35921" dir="2700000" algn="ctr" rotWithShape="0">
-                    <a:schemeClr val="bg2"/>
-                  </a:outerShdw>
-                </a:effectLst>
-              </a14:hiddenEffects>
-            </a:ext>
           </a:extLst>
+        </p:spPr>
+      </p:pic>
+      <p:pic>
+        <p:nvPicPr>
+          <p:cNvPr id="3" name="Picture 2"/>
+          <p:cNvPicPr>
+            <a:picLocks noChangeAspect="1"/>
+          </p:cNvPicPr>
+          <p:nvPr/>
+        </p:nvPicPr>
+        <p:blipFill>
+          <a:blip r:embed="rId4"/>
+          <a:stretch>
+            <a:fillRect/>
+          </a:stretch>
+        </p:blipFill>
+        <p:spPr>
+          <a:xfrm>
+            <a:off x="7338518" y="2746843"/>
+            <a:ext cx="4210931" cy="3810798"/>
+          </a:xfrm>
+          <a:prstGeom prst="snip2DiagRect">
+            <a:avLst/>
+          </a:prstGeom>
+          <a:solidFill>
+            <a:srgbClr val="FFFFFF">
+              <a:shade val="85000"/>
+            </a:srgbClr>
+          </a:solidFill>
+          <a:ln w="88900" cap="sq">
+            <a:solidFill>
+              <a:srgbClr val="FFFFFF"/>
+            </a:solidFill>
+            <a:miter lim="800000"/>
+          </a:ln>
+          <a:effectLst>
+            <a:outerShdw blurRad="88900" algn="tl" rotWithShape="0">
+              <a:srgbClr val="000000">
+                <a:alpha val="45000"/>
+              </a:srgbClr>
+            </a:outerShdw>
+          </a:effectLst>
+          <a:scene3d>
+            <a:camera prst="orthographicFront"/>
+            <a:lightRig rig="twoPt" dir="t">
+              <a:rot lat="0" lon="0" rev="7200000"/>
+            </a:lightRig>
+          </a:scene3d>
+          <a:sp3d>
+            <a:bevelT w="25400" h="19050"/>
+            <a:contourClr>
+              <a:srgbClr val="FFFFFF"/>
+            </a:contourClr>
+          </a:sp3d>
         </p:spPr>
       </p:pic>
     </p:spTree>
@@ -7426,16 +7798,40 @@
             <p:ph type="title"/>
           </p:nvPr>
         </p:nvSpPr>
-        <p:spPr/>
+        <p:spPr>
+          <a:effectLst>
+            <a:outerShdw blurRad="50800" dist="38100" dir="2700000" algn="tl" rotWithShape="0">
+              <a:prstClr val="black">
+                <a:alpha val="40000"/>
+              </a:prstClr>
+            </a:outerShdw>
+          </a:effectLst>
+        </p:spPr>
         <p:txBody>
           <a:bodyPr/>
           <a:lstStyle/>
           <a:p>
             <a:r>
-              <a:rPr lang="bg-BG" b="1" dirty="0"/>
+              <a:rPr lang="bg-BG" b="1" dirty="0">
+                <a:effectLst>
+                  <a:outerShdw blurRad="38100" dist="38100" dir="2700000" algn="tl">
+                    <a:srgbClr val="000000">
+                      <a:alpha val="43137"/>
+                    </a:srgbClr>
+                  </a:outerShdw>
+                </a:effectLst>
+              </a:rPr>
               <a:t>Тестване и резултати</a:t>
             </a:r>
-            <a:endParaRPr lang="bg-BG" dirty="0"/>
+            <a:endParaRPr lang="bg-BG" dirty="0">
+              <a:effectLst>
+                <a:outerShdw blurRad="38100" dist="38100" dir="2700000" algn="tl">
+                  <a:srgbClr val="000000">
+                    <a:alpha val="43137"/>
+                  </a:srgbClr>
+                </a:outerShdw>
+              </a:effectLst>
+            </a:endParaRPr>
           </a:p>
         </p:txBody>
       </p:sp>
@@ -7463,9 +7859,42 @@
         </p:blipFill>
         <p:spPr>
           <a:xfrm>
-            <a:off x="3566760" y="3615486"/>
-            <a:ext cx="5058481" cy="647790"/>
-          </a:xfrm>
+            <a:off x="381000" y="2362200"/>
+            <a:ext cx="11430000" cy="2840849"/>
+          </a:xfrm>
+          <a:prstGeom prst="snip2DiagRect">
+            <a:avLst/>
+          </a:prstGeom>
+          <a:solidFill>
+            <a:srgbClr val="FFFFFF">
+              <a:shade val="85000"/>
+            </a:srgbClr>
+          </a:solidFill>
+          <a:ln w="88900" cap="sq">
+            <a:solidFill>
+              <a:srgbClr val="FFFFFF"/>
+            </a:solidFill>
+            <a:miter lim="800000"/>
+          </a:ln>
+          <a:effectLst>
+            <a:outerShdw blurRad="88900" algn="tl" rotWithShape="0">
+              <a:srgbClr val="000000">
+                <a:alpha val="45000"/>
+              </a:srgbClr>
+            </a:outerShdw>
+          </a:effectLst>
+          <a:scene3d>
+            <a:camera prst="orthographicFront"/>
+            <a:lightRig rig="twoPt" dir="t">
+              <a:rot lat="0" lon="0" rev="7200000"/>
+            </a:lightRig>
+          </a:scene3d>
+          <a:sp3d>
+            <a:bevelT w="25400" h="19050"/>
+            <a:contourClr>
+              <a:srgbClr val="FFFFFF"/>
+            </a:contourClr>
+          </a:sp3d>
         </p:spPr>
       </p:pic>
     </p:spTree>
